--- a/Bank Loan Analysis Overview.pptx
+++ b/Bank Loan Analysis Overview.pptx
@@ -10,7 +10,6 @@
     <p:sldId id="263" r:id="rId4"/>
     <p:sldId id="264" r:id="rId5"/>
     <p:sldId id="259" r:id="rId6"/>
-    <p:sldId id="272" r:id="rId7"/>
   </p:sldIdLst>
   <p:sldSz cx="12192000" cy="6858000"/>
   <p:notesSz cx="6858000" cy="9144000"/>
@@ -188,7 +187,7 @@
   <pc:docChgLst>
     <pc:chgData name="Keerthi Mashetty" userId="80db8c2992e866a3" providerId="LiveId" clId="{6D080D1F-3A06-4896-973A-C147D55B4E5D}"/>
     <pc:docChg chg="custSel delSld modSld">
-      <pc:chgData name="Keerthi Mashetty" userId="80db8c2992e866a3" providerId="LiveId" clId="{6D080D1F-3A06-4896-973A-C147D55B4E5D}" dt="2025-02-11T08:04:13.754" v="46" actId="20577"/>
+      <pc:chgData name="Keerthi Mashetty" userId="80db8c2992e866a3" providerId="LiveId" clId="{6D080D1F-3A06-4896-973A-C147D55B4E5D}" dt="2025-02-11T12:23:00.946" v="47" actId="47"/>
       <pc:docMkLst>
         <pc:docMk/>
       </pc:docMkLst>
@@ -360,6 +359,13 @@
         <pc:sldMkLst>
           <pc:docMk/>
           <pc:sldMk cId="2559948971" sldId="271"/>
+        </pc:sldMkLst>
+      </pc:sldChg>
+      <pc:sldChg chg="del">
+        <pc:chgData name="Keerthi Mashetty" userId="80db8c2992e866a3" providerId="LiveId" clId="{6D080D1F-3A06-4896-973A-C147D55B4E5D}" dt="2025-02-11T12:23:00.946" v="47" actId="47"/>
+        <pc:sldMkLst>
+          <pc:docMk/>
+          <pc:sldMk cId="164178182" sldId="272"/>
         </pc:sldMkLst>
       </pc:sldChg>
       <pc:sldChg chg="del">
@@ -5910,169 +5916,6 @@
 </p:sld>
 </file>
 
-<file path=ppt/slides/slide6.xml><?xml version="1.0" encoding="utf-8"?>
-<p:sld xmlns:a="http://schemas.openxmlformats.org/drawingml/2006/main" xmlns:r="http://schemas.openxmlformats.org/officeDocument/2006/relationships" xmlns:p="http://schemas.openxmlformats.org/presentationml/2006/main">
-  <p:cSld>
-    <p:bg>
-      <p:bgPr>
-        <a:solidFill>
-          <a:schemeClr val="accent1">
-            <a:lumMod val="50000"/>
-          </a:schemeClr>
-        </a:solidFill>
-        <a:effectLst/>
-      </p:bgPr>
-    </p:bg>
-    <p:spTree>
-      <p:nvGrpSpPr>
-        <p:cNvPr id="1" name=""/>
-        <p:cNvGrpSpPr/>
-        <p:nvPr/>
-      </p:nvGrpSpPr>
-      <p:grpSpPr>
-        <a:xfrm>
-          <a:off x="0" y="0"/>
-          <a:ext cx="0" cy="0"/>
-          <a:chOff x="0" y="0"/>
-          <a:chExt cx="0" cy="0"/>
-        </a:xfrm>
-      </p:grpSpPr>
-      <p:pic>
-        <p:nvPicPr>
-          <p:cNvPr id="7" name="Picture 6">
-            <a:extLst>
-              <a:ext uri="{FF2B5EF4-FFF2-40B4-BE49-F238E27FC236}">
-                <a16:creationId xmlns:a16="http://schemas.microsoft.com/office/drawing/2014/main" id="{4F56E1CB-C23A-8E6C-4322-BE518ECDDE56}"/>
-              </a:ext>
-            </a:extLst>
-          </p:cNvPr>
-          <p:cNvPicPr>
-            <a:picLocks noChangeAspect="1"/>
-          </p:cNvPicPr>
-          <p:nvPr/>
-        </p:nvPicPr>
-        <p:blipFill>
-          <a:blip r:embed="rId2">
-            <a:duotone>
-              <a:prstClr val="black"/>
-              <a:schemeClr val="accent4">
-                <a:tint val="45000"/>
-                <a:satMod val="400000"/>
-              </a:schemeClr>
-            </a:duotone>
-            <a:extLst>
-              <a:ext uri="{28A0092B-C50C-407E-A947-70E740481C1C}">
-                <a14:useLocalDpi xmlns:a14="http://schemas.microsoft.com/office/drawing/2010/main" val="0"/>
-              </a:ext>
-            </a:extLst>
-          </a:blip>
-          <a:stretch>
-            <a:fillRect/>
-          </a:stretch>
-        </p:blipFill>
-        <p:spPr>
-          <a:xfrm>
-            <a:off x="10721577" y="157765"/>
-            <a:ext cx="1342645" cy="968319"/>
-          </a:xfrm>
-          <a:prstGeom prst="rect">
-            <a:avLst/>
-          </a:prstGeom>
-        </p:spPr>
-      </p:pic>
-      <p:pic>
-        <p:nvPicPr>
-          <p:cNvPr id="5" name="Picture 4">
-            <a:extLst>
-              <a:ext uri="{FF2B5EF4-FFF2-40B4-BE49-F238E27FC236}">
-                <a16:creationId xmlns:a16="http://schemas.microsoft.com/office/drawing/2014/main" id="{0AF6B3D0-09AE-4F17-9CB2-07E656EB3637}"/>
-              </a:ext>
-            </a:extLst>
-          </p:cNvPr>
-          <p:cNvPicPr>
-            <a:picLocks noChangeAspect="1"/>
-          </p:cNvPicPr>
-          <p:nvPr/>
-        </p:nvPicPr>
-        <p:blipFill>
-          <a:blip r:embed="rId3"/>
-          <a:stretch>
-            <a:fillRect/>
-          </a:stretch>
-        </p:blipFill>
-        <p:spPr>
-          <a:xfrm>
-            <a:off x="823378" y="1568168"/>
-            <a:ext cx="10569521" cy="1860832"/>
-          </a:xfrm>
-          <a:prstGeom prst="rect">
-            <a:avLst/>
-          </a:prstGeom>
-        </p:spPr>
-      </p:pic>
-      <p:pic>
-        <p:nvPicPr>
-          <p:cNvPr id="6" name="Picture 6" descr="Like Comment Share PNGs for Free Download">
-            <a:extLst>
-              <a:ext uri="{FF2B5EF4-FFF2-40B4-BE49-F238E27FC236}">
-                <a16:creationId xmlns:a16="http://schemas.microsoft.com/office/drawing/2014/main" id="{82211E88-89CC-1B62-06B7-D0439322858C}"/>
-              </a:ext>
-            </a:extLst>
-          </p:cNvPr>
-          <p:cNvPicPr>
-            <a:picLocks noChangeAspect="1" noChangeArrowheads="1"/>
-          </p:cNvPicPr>
-          <p:nvPr/>
-        </p:nvPicPr>
-        <p:blipFill>
-          <a:blip r:embed="rId4">
-            <a:extLst>
-              <a:ext uri="{28A0092B-C50C-407E-A947-70E740481C1C}">
-                <a14:useLocalDpi xmlns:a14="http://schemas.microsoft.com/office/drawing/2010/main" val="0"/>
-              </a:ext>
-            </a:extLst>
-          </a:blip>
-          <a:srcRect/>
-          <a:stretch>
-            <a:fillRect/>
-          </a:stretch>
-        </p:blipFill>
-        <p:spPr bwMode="auto">
-          <a:xfrm>
-            <a:off x="2755134" y="2132881"/>
-            <a:ext cx="5978106" cy="5978106"/>
-          </a:xfrm>
-          <a:prstGeom prst="rect">
-            <a:avLst/>
-          </a:prstGeom>
-          <a:noFill/>
-          <a:extLst>
-            <a:ext uri="{909E8E84-426E-40DD-AFC4-6F175D3DCCD1}">
-              <a14:hiddenFill xmlns:a14="http://schemas.microsoft.com/office/drawing/2010/main">
-                <a:solidFill>
-                  <a:srgbClr val="FFFFFF"/>
-                </a:solidFill>
-              </a14:hiddenFill>
-            </a:ext>
-          </a:extLst>
-        </p:spPr>
-      </p:pic>
-    </p:spTree>
-    <p:extLst>
-      <p:ext uri="{BB962C8B-B14F-4D97-AF65-F5344CB8AC3E}">
-        <p14:creationId xmlns:p14="http://schemas.microsoft.com/office/powerpoint/2010/main" val="164178182"/>
-      </p:ext>
-    </p:extLst>
-  </p:cSld>
-  <p:clrMapOvr>
-    <a:masterClrMapping/>
-  </p:clrMapOvr>
-  <p:transition spd="slow">
-    <p:cover/>
-  </p:transition>
-</p:sld>
-</file>
-
 <file path=ppt/theme/theme1.xml><?xml version="1.0" encoding="utf-8"?>
 <a:theme xmlns:a="http://schemas.openxmlformats.org/drawingml/2006/main" name="Office Theme">
   <a:themeElements>
